--- a/BootStrap-Tutotrail.pptx
+++ b/BootStrap-Tutotrail.pptx
@@ -12,9 +12,12 @@
     <p:sldId id="270" r:id="rId6"/>
     <p:sldId id="272" r:id="rId7"/>
     <p:sldId id="264" r:id="rId8"/>
-    <p:sldId id="271" r:id="rId9"/>
+    <p:sldId id="273" r:id="rId9"/>
     <p:sldId id="265" r:id="rId10"/>
-    <p:sldId id="266" r:id="rId11"/>
+    <p:sldId id="274" r:id="rId11"/>
+    <p:sldId id="266" r:id="rId12"/>
+    <p:sldId id="275" r:id="rId13"/>
+    <p:sldId id="277" r:id="rId14"/>
   </p:sldIdLst>
   <p:sldSz cx="12192000" cy="6858000"/>
   <p:notesSz cx="12192000" cy="6858000"/>
@@ -1178,18 +1181,73 @@
       </p:sp>
       <p:sp>
         <p:nvSpPr>
-          <p:cNvPr id="4" name="object 4"/>
+          <p:cNvPr id="7" name="TextBox 6"/>
+          <p:cNvSpPr txBox="1"/>
+          <p:nvPr/>
+        </p:nvSpPr>
+        <p:spPr>
+          <a:xfrm>
+            <a:off x="2133600" y="228600"/>
+            <a:ext cx="8229600" cy="830997"/>
+          </a:xfrm>
+          <a:prstGeom prst="rect">
+            <a:avLst/>
+          </a:prstGeom>
+          <a:noFill/>
+        </p:spPr>
+        <p:txBody>
+          <a:bodyPr wrap="square" rtlCol="0">
+            <a:spAutoFit/>
+          </a:bodyPr>
+          <a:lstStyle/>
+          <a:p>
+            <a:pPr algn="ctr"/>
+            <a:r>
+              <a:rPr lang="en-IN" sz="4800" b="1" dirty="0" smtClean="0">
+                <a:solidFill>
+                  <a:schemeClr val="accent3"/>
+                </a:solidFill>
+              </a:rPr>
+              <a:t>What is </a:t>
+            </a:r>
+            <a:r>
+              <a:rPr lang="en-IN" sz="4800" b="1" dirty="0" smtClean="0">
+                <a:solidFill>
+                  <a:schemeClr val="accent3"/>
+                </a:solidFill>
+              </a:rPr>
+              <a:t>JavaScript?</a:t>
+            </a:r>
+            <a:endParaRPr lang="en-IN" sz="4800" b="1" dirty="0">
+              <a:solidFill>
+                <a:schemeClr val="accent3"/>
+              </a:solidFill>
+            </a:endParaRPr>
+          </a:p>
+        </p:txBody>
+      </p:sp>
+      <p:sp>
+        <p:nvSpPr>
+          <p:cNvPr id="10" name="object 4"/>
           <p:cNvSpPr/>
           <p:nvPr/>
         </p:nvSpPr>
         <p:spPr>
-          <a:xfrm>
-            <a:off x="711694" y="3409950"/>
-            <a:ext cx="10768614" cy="38101"/>
-          </a:xfrm>
-          <a:prstGeom prst="rect">
-            <a:avLst/>
-          </a:prstGeom>
+          <a:xfrm rot="5400000">
+            <a:off x="3055233" y="3802767"/>
+            <a:ext cx="4908053" cy="45719"/>
+          </a:xfrm>
+          <a:prstGeom prst="rect">
+            <a:avLst/>
+          </a:prstGeom>
+          <a:solidFill>
+            <a:srgbClr val="92D050"/>
+          </a:solidFill>
+          <a:ln>
+            <a:solidFill>
+              <a:srgbClr val="92D050"/>
+            </a:solidFill>
+          </a:ln>
         </p:spPr>
         <p:style>
           <a:lnRef idx="1">
@@ -1211,6 +1269,275 @@
           </a:bodyPr>
           <a:lstStyle/>
           <a:p>
+            <a:endParaRPr dirty="0">
+              <a:solidFill>
+                <a:schemeClr val="accent3"/>
+              </a:solidFill>
+            </a:endParaRPr>
+          </a:p>
+        </p:txBody>
+      </p:sp>
+      <p:sp>
+        <p:nvSpPr>
+          <p:cNvPr id="12" name="Rectangle 11"/>
+          <p:cNvSpPr/>
+          <p:nvPr/>
+        </p:nvSpPr>
+        <p:spPr>
+          <a:xfrm>
+            <a:off x="5867400" y="1905000"/>
+            <a:ext cx="5486400" cy="400110"/>
+          </a:xfrm>
+          <a:prstGeom prst="rect">
+            <a:avLst/>
+          </a:prstGeom>
+        </p:spPr>
+        <p:txBody>
+          <a:bodyPr wrap="square">
+            <a:spAutoFit/>
+          </a:bodyPr>
+          <a:lstStyle/>
+          <a:p>
+            <a:pPr>
+              <a:buFont typeface="Arial" pitchFamily="34" charset="0"/>
+              <a:buChar char="•"/>
+            </a:pPr>
+            <a:r>
+              <a:rPr lang="en-IN" sz="2000" dirty="0" smtClean="0">
+                <a:solidFill>
+                  <a:schemeClr val="accent3"/>
+                </a:solidFill>
+              </a:rPr>
+              <a:t>JS is used to program the behaviour of WebPages</a:t>
+            </a:r>
+            <a:endParaRPr lang="en-IN" sz="2000" dirty="0">
+              <a:solidFill>
+                <a:schemeClr val="accent3"/>
+              </a:solidFill>
+            </a:endParaRPr>
+          </a:p>
+        </p:txBody>
+      </p:sp>
+      <p:sp>
+        <p:nvSpPr>
+          <p:cNvPr id="2" name="AutoShape 2" descr="Image result for css picture"/>
+          <p:cNvSpPr>
+            <a:spLocks noChangeAspect="1" noChangeArrowheads="1"/>
+          </p:cNvSpPr>
+          <p:nvPr/>
+        </p:nvSpPr>
+        <p:spPr bwMode="auto">
+          <a:xfrm>
+            <a:off x="155575" y="-144463"/>
+            <a:ext cx="304800" cy="304801"/>
+          </a:xfrm>
+          <a:prstGeom prst="rect">
+            <a:avLst/>
+          </a:prstGeom>
+          <a:noFill/>
+        </p:spPr>
+        <p:txBody>
+          <a:bodyPr vert="horz" wrap="square" lIns="91440" tIns="45720" rIns="91440" bIns="45720" numCol="1" anchor="t" anchorCtr="0" compatLnSpc="1">
+            <a:prstTxWarp prst="textNoShape">
+              <a:avLst/>
+            </a:prstTxWarp>
+          </a:bodyPr>
+          <a:lstStyle/>
+          <a:p>
+            <a:endParaRPr lang="en-IN"/>
+          </a:p>
+        </p:txBody>
+      </p:sp>
+      <p:sp>
+        <p:nvSpPr>
+          <p:cNvPr id="1028" name="AutoShape 4" descr="Image result for css picture"/>
+          <p:cNvSpPr>
+            <a:spLocks noChangeAspect="1" noChangeArrowheads="1"/>
+          </p:cNvSpPr>
+          <p:nvPr/>
+        </p:nvSpPr>
+        <p:spPr bwMode="auto">
+          <a:xfrm>
+            <a:off x="155575" y="-144463"/>
+            <a:ext cx="304800" cy="304801"/>
+          </a:xfrm>
+          <a:prstGeom prst="rect">
+            <a:avLst/>
+          </a:prstGeom>
+          <a:noFill/>
+        </p:spPr>
+        <p:txBody>
+          <a:bodyPr vert="horz" wrap="square" lIns="91440" tIns="45720" rIns="91440" bIns="45720" numCol="1" anchor="t" anchorCtr="0" compatLnSpc="1">
+            <a:prstTxWarp prst="textNoShape">
+              <a:avLst/>
+            </a:prstTxWarp>
+          </a:bodyPr>
+          <a:lstStyle/>
+          <a:p>
+            <a:endParaRPr lang="en-IN"/>
+          </a:p>
+        </p:txBody>
+      </p:sp>
+      <p:sp>
+        <p:nvSpPr>
+          <p:cNvPr id="1030" name="AutoShape 6" descr="Image result for css picture"/>
+          <p:cNvSpPr>
+            <a:spLocks noChangeAspect="1" noChangeArrowheads="1"/>
+          </p:cNvSpPr>
+          <p:nvPr/>
+        </p:nvSpPr>
+        <p:spPr bwMode="auto">
+          <a:xfrm>
+            <a:off x="155575" y="-144463"/>
+            <a:ext cx="304800" cy="304801"/>
+          </a:xfrm>
+          <a:prstGeom prst="rect">
+            <a:avLst/>
+          </a:prstGeom>
+          <a:noFill/>
+        </p:spPr>
+        <p:txBody>
+          <a:bodyPr vert="horz" wrap="square" lIns="91440" tIns="45720" rIns="91440" bIns="45720" numCol="1" anchor="t" anchorCtr="0" compatLnSpc="1">
+            <a:prstTxWarp prst="textNoShape">
+              <a:avLst/>
+            </a:prstTxWarp>
+          </a:bodyPr>
+          <a:lstStyle/>
+          <a:p>
+            <a:endParaRPr lang="en-IN"/>
+          </a:p>
+        </p:txBody>
+      </p:sp>
+      <p:pic>
+        <p:nvPicPr>
+          <p:cNvPr id="14338" name="Picture 2"/>
+          <p:cNvPicPr>
+            <a:picLocks noChangeAspect="1" noChangeArrowheads="1"/>
+          </p:cNvPicPr>
+          <p:nvPr/>
+        </p:nvPicPr>
+        <p:blipFill>
+          <a:blip r:embed="rId3" cstate="print"/>
+          <a:srcRect/>
+          <a:stretch>
+            <a:fillRect/>
+          </a:stretch>
+        </p:blipFill>
+        <p:spPr bwMode="auto">
+          <a:xfrm>
+            <a:off x="762000" y="1752600"/>
+            <a:ext cx="3759190" cy="3362325"/>
+          </a:xfrm>
+          <a:prstGeom prst="rect">
+            <a:avLst/>
+          </a:prstGeom>
+          <a:noFill/>
+          <a:ln w="9525">
+            <a:noFill/>
+            <a:miter lim="800000"/>
+            <a:headEnd/>
+            <a:tailEnd/>
+          </a:ln>
+        </p:spPr>
+      </p:pic>
+    </p:spTree>
+  </p:cSld>
+  <p:clrMapOvr>
+    <a:masterClrMapping/>
+  </p:clrMapOvr>
+  <p:timing>
+    <p:tnLst>
+      <p:par>
+        <p:cTn id="1" dur="indefinite" restart="never" nodeType="tmRoot"/>
+      </p:par>
+    </p:tnLst>
+  </p:timing>
+</p:sld>
+</file>
+
+<file path=ppt/slides/slide11.xml><?xml version="1.0" encoding="utf-8"?>
+<p:sld xmlns:a="http://schemas.openxmlformats.org/drawingml/2006/main" xmlns:r="http://schemas.openxmlformats.org/officeDocument/2006/relationships" xmlns:p="http://schemas.openxmlformats.org/presentationml/2006/main">
+  <p:cSld>
+    <p:spTree>
+      <p:nvGrpSpPr>
+        <p:cNvPr id="1" name=""/>
+        <p:cNvGrpSpPr/>
+        <p:nvPr/>
+      </p:nvGrpSpPr>
+      <p:grpSpPr>
+        <a:xfrm>
+          <a:off x="0" y="0"/>
+          <a:ext cx="0" cy="0"/>
+          <a:chOff x="0" y="0"/>
+          <a:chExt cx="0" cy="0"/>
+        </a:xfrm>
+      </p:grpSpPr>
+      <p:sp>
+        <p:nvSpPr>
+          <p:cNvPr id="3" name="object 3"/>
+          <p:cNvSpPr/>
+          <p:nvPr/>
+        </p:nvSpPr>
+        <p:spPr>
+          <a:xfrm>
+            <a:off x="711694" y="3409950"/>
+            <a:ext cx="10768614" cy="38101"/>
+          </a:xfrm>
+          <a:prstGeom prst="rect">
+            <a:avLst/>
+          </a:prstGeom>
+          <a:blipFill>
+            <a:blip r:embed="rId2" cstate="print"/>
+            <a:stretch>
+              <a:fillRect/>
+            </a:stretch>
+          </a:blipFill>
+        </p:spPr>
+        <p:txBody>
+          <a:bodyPr wrap="square" lIns="0" tIns="0" rIns="0" bIns="0" rtlCol="0">
+            <a:noAutofit/>
+          </a:bodyPr>
+          <a:lstStyle/>
+          <a:p>
+            <a:endParaRPr/>
+          </a:p>
+        </p:txBody>
+      </p:sp>
+      <p:sp>
+        <p:nvSpPr>
+          <p:cNvPr id="4" name="object 4"/>
+          <p:cNvSpPr/>
+          <p:nvPr/>
+        </p:nvSpPr>
+        <p:spPr>
+          <a:xfrm>
+            <a:off x="711694" y="3409950"/>
+            <a:ext cx="10768614" cy="38101"/>
+          </a:xfrm>
+          <a:prstGeom prst="rect">
+            <a:avLst/>
+          </a:prstGeom>
+        </p:spPr>
+        <p:style>
+          <a:lnRef idx="1">
+            <a:schemeClr val="accent3"/>
+          </a:lnRef>
+          <a:fillRef idx="3">
+            <a:schemeClr val="accent3"/>
+          </a:fillRef>
+          <a:effectRef idx="2">
+            <a:schemeClr val="accent3"/>
+          </a:effectRef>
+          <a:fontRef idx="minor">
+            <a:schemeClr val="lt1"/>
+          </a:fontRef>
+        </p:style>
+        <p:txBody>
+          <a:bodyPr wrap="square" lIns="0" tIns="0" rIns="0" bIns="0" rtlCol="0">
+            <a:noAutofit/>
+          </a:bodyPr>
+          <a:lstStyle/>
+          <a:p>
             <a:endParaRPr/>
           </a:p>
         </p:txBody>
@@ -1273,6 +1600,543 @@
                 <a:schemeClr val="accent3"/>
               </a:solidFill>
               <a:latin typeface="Times New Roman"/>
+              <a:cs typeface="Times New Roman"/>
+            </a:endParaRPr>
+          </a:p>
+        </p:txBody>
+      </p:sp>
+    </p:spTree>
+  </p:cSld>
+  <p:clrMapOvr>
+    <a:masterClrMapping/>
+  </p:clrMapOvr>
+  <p:timing>
+    <p:tnLst>
+      <p:par>
+        <p:cTn id="1" dur="indefinite" restart="never" nodeType="tmRoot"/>
+      </p:par>
+    </p:tnLst>
+  </p:timing>
+</p:sld>
+</file>
+
+<file path=ppt/slides/slide12.xml><?xml version="1.0" encoding="utf-8"?>
+<p:sld xmlns:a="http://schemas.openxmlformats.org/drawingml/2006/main" xmlns:r="http://schemas.openxmlformats.org/officeDocument/2006/relationships" xmlns:p="http://schemas.openxmlformats.org/presentationml/2006/main">
+  <p:cSld>
+    <p:spTree>
+      <p:nvGrpSpPr>
+        <p:cNvPr id="1" name=""/>
+        <p:cNvGrpSpPr/>
+        <p:nvPr/>
+      </p:nvGrpSpPr>
+      <p:grpSpPr>
+        <a:xfrm>
+          <a:off x="0" y="0"/>
+          <a:ext cx="0" cy="0"/>
+          <a:chOff x="0" y="0"/>
+          <a:chExt cx="0" cy="0"/>
+        </a:xfrm>
+      </p:grpSpPr>
+      <p:sp>
+        <p:nvSpPr>
+          <p:cNvPr id="3" name="object 3"/>
+          <p:cNvSpPr/>
+          <p:nvPr/>
+        </p:nvSpPr>
+        <p:spPr>
+          <a:xfrm>
+            <a:off x="711694" y="3409950"/>
+            <a:ext cx="10768614" cy="38101"/>
+          </a:xfrm>
+          <a:prstGeom prst="rect">
+            <a:avLst/>
+          </a:prstGeom>
+          <a:blipFill>
+            <a:blip r:embed="rId2" cstate="print"/>
+            <a:stretch>
+              <a:fillRect/>
+            </a:stretch>
+          </a:blipFill>
+        </p:spPr>
+        <p:txBody>
+          <a:bodyPr wrap="square" lIns="0" tIns="0" rIns="0" bIns="0" rtlCol="0">
+            <a:noAutofit/>
+          </a:bodyPr>
+          <a:lstStyle/>
+          <a:p>
+            <a:endParaRPr/>
+          </a:p>
+        </p:txBody>
+      </p:sp>
+      <p:sp>
+        <p:nvSpPr>
+          <p:cNvPr id="7" name="TextBox 6"/>
+          <p:cNvSpPr txBox="1"/>
+          <p:nvPr/>
+        </p:nvSpPr>
+        <p:spPr>
+          <a:xfrm>
+            <a:off x="2133600" y="228600"/>
+            <a:ext cx="8229600" cy="830997"/>
+          </a:xfrm>
+          <a:prstGeom prst="rect">
+            <a:avLst/>
+          </a:prstGeom>
+          <a:noFill/>
+        </p:spPr>
+        <p:txBody>
+          <a:bodyPr wrap="square" rtlCol="0">
+            <a:spAutoFit/>
+          </a:bodyPr>
+          <a:lstStyle/>
+          <a:p>
+            <a:pPr algn="ctr"/>
+            <a:r>
+              <a:rPr lang="en-IN" sz="4800" b="1" dirty="0" smtClean="0">
+                <a:solidFill>
+                  <a:schemeClr val="accent3"/>
+                </a:solidFill>
+              </a:rPr>
+              <a:t>What is </a:t>
+            </a:r>
+            <a:r>
+              <a:rPr lang="en-IN" sz="4800" b="1" dirty="0" smtClean="0">
+                <a:solidFill>
+                  <a:schemeClr val="accent3"/>
+                </a:solidFill>
+              </a:rPr>
+              <a:t>Bootstrap?</a:t>
+            </a:r>
+            <a:endParaRPr lang="en-IN" sz="4800" b="1" dirty="0">
+              <a:solidFill>
+                <a:schemeClr val="accent3"/>
+              </a:solidFill>
+            </a:endParaRPr>
+          </a:p>
+        </p:txBody>
+      </p:sp>
+      <p:sp>
+        <p:nvSpPr>
+          <p:cNvPr id="10" name="object 4"/>
+          <p:cNvSpPr/>
+          <p:nvPr/>
+        </p:nvSpPr>
+        <p:spPr>
+          <a:xfrm rot="5400000">
+            <a:off x="3055233" y="3802767"/>
+            <a:ext cx="4908053" cy="45719"/>
+          </a:xfrm>
+          <a:prstGeom prst="rect">
+            <a:avLst/>
+          </a:prstGeom>
+          <a:solidFill>
+            <a:srgbClr val="92D050"/>
+          </a:solidFill>
+          <a:ln>
+            <a:solidFill>
+              <a:srgbClr val="92D050"/>
+            </a:solidFill>
+          </a:ln>
+        </p:spPr>
+        <p:style>
+          <a:lnRef idx="1">
+            <a:schemeClr val="accent3"/>
+          </a:lnRef>
+          <a:fillRef idx="3">
+            <a:schemeClr val="accent3"/>
+          </a:fillRef>
+          <a:effectRef idx="2">
+            <a:schemeClr val="accent3"/>
+          </a:effectRef>
+          <a:fontRef idx="minor">
+            <a:schemeClr val="lt1"/>
+          </a:fontRef>
+        </p:style>
+        <p:txBody>
+          <a:bodyPr wrap="square" lIns="0" tIns="0" rIns="0" bIns="0" rtlCol="0">
+            <a:noAutofit/>
+          </a:bodyPr>
+          <a:lstStyle/>
+          <a:p>
+            <a:endParaRPr dirty="0">
+              <a:solidFill>
+                <a:schemeClr val="accent3"/>
+              </a:solidFill>
+            </a:endParaRPr>
+          </a:p>
+        </p:txBody>
+      </p:sp>
+      <p:sp>
+        <p:nvSpPr>
+          <p:cNvPr id="12" name="Rectangle 11"/>
+          <p:cNvSpPr/>
+          <p:nvPr/>
+        </p:nvSpPr>
+        <p:spPr>
+          <a:xfrm>
+            <a:off x="5867400" y="1905000"/>
+            <a:ext cx="5486400" cy="2554545"/>
+          </a:xfrm>
+          <a:prstGeom prst="rect">
+            <a:avLst/>
+          </a:prstGeom>
+        </p:spPr>
+        <p:txBody>
+          <a:bodyPr wrap="square">
+            <a:spAutoFit/>
+          </a:bodyPr>
+          <a:lstStyle/>
+          <a:p>
+            <a:pPr>
+              <a:buFont typeface="Arial" pitchFamily="34" charset="0"/>
+              <a:buChar char="•"/>
+            </a:pPr>
+            <a:r>
+              <a:rPr lang="en-IN" sz="2000" dirty="0" smtClean="0">
+                <a:solidFill>
+                  <a:schemeClr val="accent3"/>
+                </a:solidFill>
+              </a:rPr>
+              <a:t> Bootstrap is a free and open source front end development framework for the creation of websites and web apps. </a:t>
+            </a:r>
+          </a:p>
+          <a:p>
+            <a:pPr>
+              <a:buFont typeface="Arial" pitchFamily="34" charset="0"/>
+              <a:buChar char="•"/>
+            </a:pPr>
+            <a:endParaRPr lang="en-IN" sz="2000" dirty="0" smtClean="0">
+              <a:solidFill>
+                <a:schemeClr val="accent3"/>
+              </a:solidFill>
+            </a:endParaRPr>
+          </a:p>
+          <a:p>
+            <a:pPr>
+              <a:buFont typeface="Arial" pitchFamily="34" charset="0"/>
+              <a:buChar char="•"/>
+            </a:pPr>
+            <a:r>
+              <a:rPr lang="en-IN" sz="2000" dirty="0" smtClean="0">
+                <a:solidFill>
+                  <a:schemeClr val="accent3"/>
+                </a:solidFill>
+              </a:rPr>
+              <a:t>Bootstrap framework is built on HTML, CSS and </a:t>
+            </a:r>
+            <a:r>
+              <a:rPr lang="en-IN" sz="2000" dirty="0" err="1" smtClean="0">
+                <a:solidFill>
+                  <a:schemeClr val="accent3"/>
+                </a:solidFill>
+              </a:rPr>
+              <a:t>Javascript</a:t>
+            </a:r>
+            <a:r>
+              <a:rPr lang="en-IN" sz="2000" dirty="0" smtClean="0">
+                <a:solidFill>
+                  <a:schemeClr val="accent3"/>
+                </a:solidFill>
+              </a:rPr>
+              <a:t> (JS) to facilitate the development  of responsive, mobile-first sites and apps.</a:t>
+            </a:r>
+          </a:p>
+          <a:p>
+            <a:pPr>
+              <a:buFont typeface="Arial" pitchFamily="34" charset="0"/>
+              <a:buChar char="•"/>
+            </a:pPr>
+            <a:endParaRPr lang="en-IN" sz="2000" dirty="0">
+              <a:solidFill>
+                <a:schemeClr val="accent3"/>
+              </a:solidFill>
+            </a:endParaRPr>
+          </a:p>
+        </p:txBody>
+      </p:sp>
+      <p:sp>
+        <p:nvSpPr>
+          <p:cNvPr id="2" name="AutoShape 2" descr="Image result for css picture"/>
+          <p:cNvSpPr>
+            <a:spLocks noChangeAspect="1" noChangeArrowheads="1"/>
+          </p:cNvSpPr>
+          <p:nvPr/>
+        </p:nvSpPr>
+        <p:spPr bwMode="auto">
+          <a:xfrm>
+            <a:off x="155575" y="-144463"/>
+            <a:ext cx="304800" cy="304801"/>
+          </a:xfrm>
+          <a:prstGeom prst="rect">
+            <a:avLst/>
+          </a:prstGeom>
+          <a:noFill/>
+        </p:spPr>
+        <p:txBody>
+          <a:bodyPr vert="horz" wrap="square" lIns="91440" tIns="45720" rIns="91440" bIns="45720" numCol="1" anchor="t" anchorCtr="0" compatLnSpc="1">
+            <a:prstTxWarp prst="textNoShape">
+              <a:avLst/>
+            </a:prstTxWarp>
+          </a:bodyPr>
+          <a:lstStyle/>
+          <a:p>
+            <a:endParaRPr lang="en-IN"/>
+          </a:p>
+        </p:txBody>
+      </p:sp>
+      <p:sp>
+        <p:nvSpPr>
+          <p:cNvPr id="1028" name="AutoShape 4" descr="Image result for css picture"/>
+          <p:cNvSpPr>
+            <a:spLocks noChangeAspect="1" noChangeArrowheads="1"/>
+          </p:cNvSpPr>
+          <p:nvPr/>
+        </p:nvSpPr>
+        <p:spPr bwMode="auto">
+          <a:xfrm>
+            <a:off x="155575" y="-144463"/>
+            <a:ext cx="304800" cy="304801"/>
+          </a:xfrm>
+          <a:prstGeom prst="rect">
+            <a:avLst/>
+          </a:prstGeom>
+          <a:noFill/>
+        </p:spPr>
+        <p:txBody>
+          <a:bodyPr vert="horz" wrap="square" lIns="91440" tIns="45720" rIns="91440" bIns="45720" numCol="1" anchor="t" anchorCtr="0" compatLnSpc="1">
+            <a:prstTxWarp prst="textNoShape">
+              <a:avLst/>
+            </a:prstTxWarp>
+          </a:bodyPr>
+          <a:lstStyle/>
+          <a:p>
+            <a:endParaRPr lang="en-IN"/>
+          </a:p>
+        </p:txBody>
+      </p:sp>
+      <p:sp>
+        <p:nvSpPr>
+          <p:cNvPr id="1030" name="AutoShape 6" descr="Image result for css picture"/>
+          <p:cNvSpPr>
+            <a:spLocks noChangeAspect="1" noChangeArrowheads="1"/>
+          </p:cNvSpPr>
+          <p:nvPr/>
+        </p:nvSpPr>
+        <p:spPr bwMode="auto">
+          <a:xfrm>
+            <a:off x="155575" y="-144463"/>
+            <a:ext cx="304800" cy="304801"/>
+          </a:xfrm>
+          <a:prstGeom prst="rect">
+            <a:avLst/>
+          </a:prstGeom>
+          <a:noFill/>
+        </p:spPr>
+        <p:txBody>
+          <a:bodyPr vert="horz" wrap="square" lIns="91440" tIns="45720" rIns="91440" bIns="45720" numCol="1" anchor="t" anchorCtr="0" compatLnSpc="1">
+            <a:prstTxWarp prst="textNoShape">
+              <a:avLst/>
+            </a:prstTxWarp>
+          </a:bodyPr>
+          <a:lstStyle/>
+          <a:p>
+            <a:endParaRPr lang="en-IN"/>
+          </a:p>
+        </p:txBody>
+      </p:sp>
+      <p:pic>
+        <p:nvPicPr>
+          <p:cNvPr id="15362" name="Picture 2"/>
+          <p:cNvPicPr>
+            <a:picLocks noChangeAspect="1" noChangeArrowheads="1"/>
+          </p:cNvPicPr>
+          <p:nvPr/>
+        </p:nvPicPr>
+        <p:blipFill>
+          <a:blip r:embed="rId3" cstate="print"/>
+          <a:srcRect/>
+          <a:stretch>
+            <a:fillRect/>
+          </a:stretch>
+        </p:blipFill>
+        <p:spPr bwMode="auto">
+          <a:xfrm>
+            <a:off x="152401" y="2438400"/>
+            <a:ext cx="4823878" cy="2952750"/>
+          </a:xfrm>
+          <a:prstGeom prst="rect">
+            <a:avLst/>
+          </a:prstGeom>
+          <a:noFill/>
+          <a:ln w="9525">
+            <a:noFill/>
+            <a:miter lim="800000"/>
+            <a:headEnd/>
+            <a:tailEnd/>
+          </a:ln>
+        </p:spPr>
+      </p:pic>
+    </p:spTree>
+  </p:cSld>
+  <p:clrMapOvr>
+    <a:masterClrMapping/>
+  </p:clrMapOvr>
+  <p:timing>
+    <p:tnLst>
+      <p:par>
+        <p:cTn id="1" dur="indefinite" restart="never" nodeType="tmRoot"/>
+      </p:par>
+    </p:tnLst>
+  </p:timing>
+</p:sld>
+</file>
+
+<file path=ppt/slides/slide13.xml><?xml version="1.0" encoding="utf-8"?>
+<p:sld xmlns:a="http://schemas.openxmlformats.org/drawingml/2006/main" xmlns:r="http://schemas.openxmlformats.org/officeDocument/2006/relationships" xmlns:p="http://schemas.openxmlformats.org/presentationml/2006/main">
+  <p:cSld>
+    <p:spTree>
+      <p:nvGrpSpPr>
+        <p:cNvPr id="1" name=""/>
+        <p:cNvGrpSpPr/>
+        <p:nvPr/>
+      </p:nvGrpSpPr>
+      <p:grpSpPr>
+        <a:xfrm>
+          <a:off x="0" y="0"/>
+          <a:ext cx="0" cy="0"/>
+          <a:chOff x="0" y="0"/>
+          <a:chExt cx="0" cy="0"/>
+        </a:xfrm>
+      </p:grpSpPr>
+      <p:sp>
+        <p:nvSpPr>
+          <p:cNvPr id="3" name="object 3"/>
+          <p:cNvSpPr/>
+          <p:nvPr/>
+        </p:nvSpPr>
+        <p:spPr>
+          <a:xfrm>
+            <a:off x="711694" y="3409950"/>
+            <a:ext cx="10768614" cy="38101"/>
+          </a:xfrm>
+          <a:prstGeom prst="rect">
+            <a:avLst/>
+          </a:prstGeom>
+          <a:blipFill>
+            <a:blip r:embed="rId2" cstate="print"/>
+            <a:stretch>
+              <a:fillRect/>
+            </a:stretch>
+          </a:blipFill>
+        </p:spPr>
+        <p:txBody>
+          <a:bodyPr wrap="square" lIns="0" tIns="0" rIns="0" bIns="0" rtlCol="0">
+            <a:noAutofit/>
+          </a:bodyPr>
+          <a:lstStyle/>
+          <a:p>
+            <a:endParaRPr/>
+          </a:p>
+        </p:txBody>
+      </p:sp>
+      <p:sp>
+        <p:nvSpPr>
+          <p:cNvPr id="2" name="object 2"/>
+          <p:cNvSpPr txBox="1"/>
+          <p:nvPr/>
+        </p:nvSpPr>
+        <p:spPr>
+          <a:xfrm>
+            <a:off x="685800" y="533400"/>
+            <a:ext cx="10736833" cy="5410200"/>
+          </a:xfrm>
+          <a:prstGeom prst="rect">
+            <a:avLst/>
+          </a:prstGeom>
+          <a:ln>
+            <a:solidFill>
+              <a:schemeClr val="bg1"/>
+            </a:solidFill>
+          </a:ln>
+        </p:spPr>
+        <p:style>
+          <a:lnRef idx="1">
+            <a:schemeClr val="accent3"/>
+          </a:lnRef>
+          <a:fillRef idx="1001">
+            <a:schemeClr val="lt1"/>
+          </a:fillRef>
+          <a:effectRef idx="1">
+            <a:schemeClr val="accent3"/>
+          </a:effectRef>
+          <a:fontRef idx="minor">
+            <a:schemeClr val="dk1"/>
+          </a:fontRef>
+        </p:style>
+        <p:txBody>
+          <a:bodyPr wrap="square" lIns="0" tIns="23939" rIns="0" bIns="0" rtlCol="0">
+            <a:noAutofit/>
+          </a:bodyPr>
+          <a:lstStyle/>
+          <a:p>
+            <a:pPr marL="12700">
+              <a:lnSpc>
+                <a:spcPct val="150000"/>
+              </a:lnSpc>
+            </a:pPr>
+            <a:r>
+              <a:rPr lang="en-IN" sz="6000" b="1" dirty="0" smtClean="0">
+                <a:solidFill>
+                  <a:srgbClr val="00B050"/>
+                </a:solidFill>
+                <a:latin typeface="Source Code Pro Semibold" pitchFamily="49" charset="0"/>
+                <a:ea typeface="Source Code Pro Semibold" pitchFamily="49" charset="0"/>
+              </a:rPr>
+              <a:t>Let the </a:t>
+            </a:r>
+          </a:p>
+          <a:p>
+            <a:pPr marL="12700">
+              <a:lnSpc>
+                <a:spcPct val="150000"/>
+              </a:lnSpc>
+            </a:pPr>
+            <a:r>
+              <a:rPr lang="en-IN" sz="6000" b="1" dirty="0" smtClean="0">
+                <a:solidFill>
+                  <a:srgbClr val="00B050"/>
+                </a:solidFill>
+                <a:latin typeface="Source Code Pro Semibold" pitchFamily="49" charset="0"/>
+                <a:ea typeface="Source Code Pro Semibold" pitchFamily="49" charset="0"/>
+              </a:rPr>
+              <a:t>Web </a:t>
+            </a:r>
+            <a:r>
+              <a:rPr lang="en-IN" sz="6000" b="1" dirty="0" err="1" smtClean="0">
+                <a:solidFill>
+                  <a:srgbClr val="00B050"/>
+                </a:solidFill>
+                <a:latin typeface="Source Code Pro Semibold" pitchFamily="49" charset="0"/>
+                <a:ea typeface="Source Code Pro Semibold" pitchFamily="49" charset="0"/>
+              </a:rPr>
+              <a:t>developement</a:t>
+            </a:r>
+            <a:r>
+              <a:rPr lang="en-IN" sz="6000" b="1" dirty="0" smtClean="0">
+                <a:solidFill>
+                  <a:srgbClr val="00B050"/>
+                </a:solidFill>
+                <a:latin typeface="Source Code Pro Semibold" pitchFamily="49" charset="0"/>
+                <a:ea typeface="Source Code Pro Semibold" pitchFamily="49" charset="0"/>
+              </a:rPr>
+              <a:t> Journey  Begin..............</a:t>
+            </a:r>
+            <a:endParaRPr sz="6000" b="1" dirty="0">
+              <a:solidFill>
+                <a:srgbClr val="00B050"/>
+              </a:solidFill>
+              <a:latin typeface="Source Code Pro Semibold" pitchFamily="49" charset="0"/>
+              <a:ea typeface="Source Code Pro Semibold" pitchFamily="49" charset="0"/>
               <a:cs typeface="Times New Roman"/>
             </a:endParaRPr>
           </a:p>
@@ -1589,8 +2453,8 @@
         </p:nvSpPr>
         <p:spPr>
           <a:xfrm>
-            <a:off x="6934200" y="1447800"/>
-            <a:ext cx="2971800" cy="3139321"/>
+            <a:off x="5105400" y="457201"/>
+            <a:ext cx="5257800" cy="4893647"/>
           </a:xfrm>
           <a:prstGeom prst="rect">
             <a:avLst/>
@@ -1608,20 +2472,49 @@
               <a:buChar char="•"/>
             </a:pPr>
             <a:r>
-              <a:rPr lang="en-IN" b="1" dirty="0" smtClean="0">
+              <a:rPr lang="en-IN" sz="6000" b="1" dirty="0" smtClean="0">
                 <a:solidFill>
                   <a:schemeClr val="accent3"/>
                 </a:solidFill>
               </a:rPr>
-              <a:t>  HTML</a:t>
-            </a:r>
+              <a:t>  </a:t>
+            </a:r>
+            <a:r>
+              <a:rPr lang="en-IN" sz="6000" b="1" dirty="0" smtClean="0">
+                <a:solidFill>
+                  <a:schemeClr val="accent3"/>
+                </a:solidFill>
+              </a:rPr>
+              <a:t>HTML</a:t>
+            </a:r>
+            <a:endParaRPr lang="en-IN" sz="6000" b="1" dirty="0" smtClean="0">
+              <a:solidFill>
+                <a:schemeClr val="accent3"/>
+              </a:solidFill>
+            </a:endParaRPr>
           </a:p>
           <a:p>
             <a:pPr>
               <a:buFont typeface="Arial" pitchFamily="34" charset="0"/>
               <a:buChar char="•"/>
             </a:pPr>
-            <a:endParaRPr lang="en-IN" b="1" dirty="0" smtClean="0">
+            <a:r>
+              <a:rPr lang="en-IN" sz="6000" b="1" dirty="0" smtClean="0">
+                <a:solidFill>
+                  <a:schemeClr val="accent3"/>
+                </a:solidFill>
+              </a:rPr>
+              <a:t>  </a:t>
+            </a:r>
+            <a:r>
+              <a:rPr lang="en-IN" sz="6000" b="1" dirty="0" smtClean="0">
+                <a:solidFill>
+                  <a:schemeClr val="accent3"/>
+                </a:solidFill>
+              </a:rPr>
+              <a:t>CSS</a:t>
+            </a:r>
+            <a:endParaRPr lang="en-IN" sz="6000" b="1" dirty="0">
               <a:solidFill>
                 <a:schemeClr val="accent3"/>
               </a:solidFill>
@@ -1633,57 +2526,34 @@
               <a:buChar char="•"/>
             </a:pPr>
             <a:r>
-              <a:rPr lang="en-IN" b="1" dirty="0" smtClean="0">
+              <a:rPr lang="en-IN" sz="6000" b="1" dirty="0" smtClean="0">
                 <a:solidFill>
                   <a:schemeClr val="accent3"/>
                 </a:solidFill>
               </a:rPr>
-              <a:t>  CSS</a:t>
-            </a:r>
+              <a:t>  </a:t>
+            </a:r>
+            <a:r>
+              <a:rPr lang="en-IN" sz="6000" b="1" dirty="0" smtClean="0">
+                <a:solidFill>
+                  <a:schemeClr val="accent3"/>
+                </a:solidFill>
+              </a:rPr>
+              <a:t>JavaScript</a:t>
+            </a:r>
+            <a:endParaRPr lang="en-IN" sz="6000" b="1" dirty="0">
+              <a:solidFill>
+                <a:schemeClr val="accent3"/>
+              </a:solidFill>
+            </a:endParaRPr>
           </a:p>
           <a:p>
             <a:pPr>
               <a:buFont typeface="Arial" pitchFamily="34" charset="0"/>
               <a:buChar char="•"/>
             </a:pPr>
-            <a:endParaRPr lang="en-IN" b="1" dirty="0">
-              <a:solidFill>
-                <a:schemeClr val="accent3"/>
-              </a:solidFill>
-            </a:endParaRPr>
-          </a:p>
-          <a:p>
-            <a:pPr>
-              <a:buFont typeface="Arial" pitchFamily="34" charset="0"/>
-              <a:buChar char="•"/>
-            </a:pPr>
-            <a:r>
-              <a:rPr lang="en-IN" b="1" dirty="0" smtClean="0">
-                <a:solidFill>
-                  <a:schemeClr val="accent3"/>
-                </a:solidFill>
-              </a:rPr>
-              <a:t>  JavaScript</a:t>
-            </a:r>
-          </a:p>
-          <a:p>
-            <a:pPr>
-              <a:buFont typeface="Arial" pitchFamily="34" charset="0"/>
-              <a:buChar char="•"/>
-            </a:pPr>
-            <a:endParaRPr lang="en-IN" b="1" dirty="0">
-              <a:solidFill>
-                <a:schemeClr val="accent3"/>
-              </a:solidFill>
-            </a:endParaRPr>
-          </a:p>
-          <a:p>
-            <a:pPr>
-              <a:buFont typeface="Arial" pitchFamily="34" charset="0"/>
-              <a:buChar char="•"/>
-            </a:pPr>
-            <a:r>
-              <a:rPr lang="en-IN" b="1" dirty="0" smtClean="0">
+            <a:r>
+              <a:rPr lang="en-IN" sz="6000" b="1" dirty="0" smtClean="0">
                 <a:solidFill>
                   <a:schemeClr val="accent3"/>
                 </a:solidFill>
@@ -3064,18 +3934,72 @@
       </p:sp>
       <p:sp>
         <p:nvSpPr>
-          <p:cNvPr id="4" name="object 4"/>
+          <p:cNvPr id="7" name="TextBox 6"/>
+          <p:cNvSpPr txBox="1"/>
+          <p:nvPr/>
+        </p:nvSpPr>
+        <p:spPr>
+          <a:xfrm>
+            <a:off x="3505200" y="228600"/>
+            <a:ext cx="4343400" cy="830997"/>
+          </a:xfrm>
+          <a:prstGeom prst="rect">
+            <a:avLst/>
+          </a:prstGeom>
+          <a:noFill/>
+        </p:spPr>
+        <p:txBody>
+          <a:bodyPr wrap="square" rtlCol="0">
+            <a:spAutoFit/>
+          </a:bodyPr>
+          <a:lstStyle/>
+          <a:p>
+            <a:r>
+              <a:rPr lang="en-IN" sz="4800" b="1" dirty="0" smtClean="0">
+                <a:solidFill>
+                  <a:schemeClr val="accent3"/>
+                </a:solidFill>
+              </a:rPr>
+              <a:t>What is </a:t>
+            </a:r>
+            <a:r>
+              <a:rPr lang="en-IN" sz="4800" b="1" dirty="0" smtClean="0">
+                <a:solidFill>
+                  <a:schemeClr val="accent3"/>
+                </a:solidFill>
+              </a:rPr>
+              <a:t>CSS?</a:t>
+            </a:r>
+            <a:endParaRPr lang="en-IN" sz="4800" b="1" dirty="0">
+              <a:solidFill>
+                <a:schemeClr val="accent3"/>
+              </a:solidFill>
+            </a:endParaRPr>
+          </a:p>
+        </p:txBody>
+      </p:sp>
+      <p:sp>
+        <p:nvSpPr>
+          <p:cNvPr id="10" name="object 4"/>
           <p:cNvSpPr/>
           <p:nvPr/>
         </p:nvSpPr>
         <p:spPr>
-          <a:xfrm>
-            <a:off x="711694" y="3409950"/>
-            <a:ext cx="10768614" cy="38101"/>
-          </a:xfrm>
-          <a:prstGeom prst="rect">
-            <a:avLst/>
-          </a:prstGeom>
+          <a:xfrm rot="5400000">
+            <a:off x="3055233" y="3802767"/>
+            <a:ext cx="4908053" cy="45719"/>
+          </a:xfrm>
+          <a:prstGeom prst="rect">
+            <a:avLst/>
+          </a:prstGeom>
+          <a:solidFill>
+            <a:srgbClr val="92D050"/>
+          </a:solidFill>
+          <a:ln>
+            <a:solidFill>
+              <a:srgbClr val="92D050"/>
+            </a:solidFill>
+          </a:ln>
         </p:spPr>
         <p:style>
           <a:lnRef idx="1">
@@ -3097,73 +4021,249 @@
           </a:bodyPr>
           <a:lstStyle/>
           <a:p>
-            <a:endParaRPr/>
-          </a:p>
-        </p:txBody>
-      </p:sp>
-      <p:sp>
-        <p:nvSpPr>
-          <p:cNvPr id="2" name="object 2"/>
-          <p:cNvSpPr txBox="1"/>
-          <p:nvPr/>
-        </p:nvSpPr>
-        <p:spPr>
-          <a:xfrm>
-            <a:off x="8534400" y="2819400"/>
-            <a:ext cx="2888233" cy="482600"/>
-          </a:xfrm>
-          <a:prstGeom prst="rect">
-            <a:avLst/>
-          </a:prstGeom>
-          <a:ln>
-            <a:solidFill>
-              <a:schemeClr val="bg1"/>
-            </a:solidFill>
-          </a:ln>
-        </p:spPr>
-        <p:style>
-          <a:lnRef idx="1">
-            <a:schemeClr val="accent3"/>
-          </a:lnRef>
-          <a:fillRef idx="1001">
-            <a:schemeClr val="lt1"/>
-          </a:fillRef>
-          <a:effectRef idx="1">
-            <a:schemeClr val="accent3"/>
-          </a:effectRef>
-          <a:fontRef idx="minor">
-            <a:schemeClr val="dk1"/>
-          </a:fontRef>
-        </p:style>
-        <p:txBody>
-          <a:bodyPr wrap="square" lIns="0" tIns="23939" rIns="0" bIns="0" rtlCol="0">
-            <a:noAutofit/>
-          </a:bodyPr>
-          <a:lstStyle/>
-          <a:p>
-            <a:pPr marL="12700" algn="r">
-              <a:lnSpc>
-                <a:spcPts val="3770"/>
-              </a:lnSpc>
+            <a:endParaRPr dirty="0">
+              <a:solidFill>
+                <a:schemeClr val="accent3"/>
+              </a:solidFill>
+            </a:endParaRPr>
+          </a:p>
+        </p:txBody>
+      </p:sp>
+      <p:sp>
+        <p:nvSpPr>
+          <p:cNvPr id="12" name="Rectangle 11"/>
+          <p:cNvSpPr/>
+          <p:nvPr/>
+        </p:nvSpPr>
+        <p:spPr>
+          <a:xfrm>
+            <a:off x="5867400" y="1905000"/>
+            <a:ext cx="5105400" cy="2554545"/>
+          </a:xfrm>
+          <a:prstGeom prst="rect">
+            <a:avLst/>
+          </a:prstGeom>
+        </p:spPr>
+        <p:txBody>
+          <a:bodyPr wrap="square">
+            <a:spAutoFit/>
+          </a:bodyPr>
+          <a:lstStyle/>
+          <a:p>
+            <a:pPr>
+              <a:buFont typeface="Arial" pitchFamily="34" charset="0"/>
+              <a:buChar char="•"/>
             </a:pPr>
             <a:r>
-              <a:rPr lang="en-IN" sz="3600" b="1" dirty="0" smtClean="0">
+              <a:rPr lang="en-IN" sz="2000" b="1" dirty="0" smtClean="0">
                 <a:solidFill>
                   <a:schemeClr val="accent3"/>
                 </a:solidFill>
               </a:rPr>
-              <a:t>CSS</a:t>
-            </a:r>
-            <a:endParaRPr sz="3600" b="1" dirty="0">
+              <a:t>CSS Stands for Cascading Style Sheets.</a:t>
+            </a:r>
+          </a:p>
+          <a:p>
+            <a:pPr>
+              <a:buFont typeface="Arial" pitchFamily="34" charset="0"/>
+              <a:buChar char="•"/>
+            </a:pPr>
+            <a:endParaRPr lang="en-IN" sz="2000" b="1" dirty="0" smtClean="0">
               <a:solidFill>
                 <a:schemeClr val="accent3"/>
               </a:solidFill>
-              <a:latin typeface="Times New Roman"/>
-              <a:cs typeface="Times New Roman"/>
             </a:endParaRPr>
           </a:p>
-        </p:txBody>
-      </p:sp>
+          <a:p>
+            <a:pPr>
+              <a:buFont typeface="Arial" pitchFamily="34" charset="0"/>
+              <a:buChar char="•"/>
+            </a:pPr>
+            <a:r>
+              <a:rPr lang="en-IN" sz="2000" b="1" dirty="0" smtClean="0">
+                <a:solidFill>
+                  <a:schemeClr val="accent3"/>
+                </a:solidFill>
+              </a:rPr>
+              <a:t>CSS </a:t>
+            </a:r>
+            <a:r>
+              <a:rPr lang="en-IN" sz="2000" b="1" dirty="0" err="1" smtClean="0">
+                <a:solidFill>
+                  <a:schemeClr val="accent3"/>
+                </a:solidFill>
+              </a:rPr>
+              <a:t>descripes</a:t>
+            </a:r>
+            <a:r>
+              <a:rPr lang="en-IN" sz="2000" b="1" dirty="0" smtClean="0">
+                <a:solidFill>
+                  <a:schemeClr val="accent3"/>
+                </a:solidFill>
+              </a:rPr>
+              <a:t> how HTML elements are to be displayed on screen, paper or in other media</a:t>
+            </a:r>
+          </a:p>
+          <a:p>
+            <a:pPr>
+              <a:buFont typeface="Arial" pitchFamily="34" charset="0"/>
+              <a:buChar char="•"/>
+            </a:pPr>
+            <a:endParaRPr lang="en-IN" sz="2000" b="1" dirty="0" smtClean="0">
+              <a:solidFill>
+                <a:schemeClr val="accent3"/>
+              </a:solidFill>
+            </a:endParaRPr>
+          </a:p>
+          <a:p>
+            <a:pPr>
+              <a:buFont typeface="Arial" pitchFamily="34" charset="0"/>
+              <a:buChar char="•"/>
+            </a:pPr>
+            <a:r>
+              <a:rPr lang="en-IN" sz="2000" b="1" dirty="0" smtClean="0">
+                <a:solidFill>
+                  <a:schemeClr val="accent3"/>
+                </a:solidFill>
+              </a:rPr>
+              <a:t>CSS Saves a lot of work , it can control the layout of multiple web pages at once.</a:t>
+            </a:r>
+          </a:p>
+          <a:p>
+            <a:pPr>
+              <a:buFont typeface="Arial" pitchFamily="34" charset="0"/>
+              <a:buChar char="•"/>
+            </a:pPr>
+            <a:endParaRPr lang="en-IN" sz="2000" dirty="0">
+              <a:solidFill>
+                <a:schemeClr val="accent3"/>
+              </a:solidFill>
+            </a:endParaRPr>
+          </a:p>
+        </p:txBody>
+      </p:sp>
+      <p:sp>
+        <p:nvSpPr>
+          <p:cNvPr id="2" name="AutoShape 2" descr="Image result for css picture"/>
+          <p:cNvSpPr>
+            <a:spLocks noChangeAspect="1" noChangeArrowheads="1"/>
+          </p:cNvSpPr>
+          <p:nvPr/>
+        </p:nvSpPr>
+        <p:spPr bwMode="auto">
+          <a:xfrm>
+            <a:off x="155575" y="-144463"/>
+            <a:ext cx="304800" cy="304801"/>
+          </a:xfrm>
+          <a:prstGeom prst="rect">
+            <a:avLst/>
+          </a:prstGeom>
+          <a:noFill/>
+        </p:spPr>
+        <p:txBody>
+          <a:bodyPr vert="horz" wrap="square" lIns="91440" tIns="45720" rIns="91440" bIns="45720" numCol="1" anchor="t" anchorCtr="0" compatLnSpc="1">
+            <a:prstTxWarp prst="textNoShape">
+              <a:avLst/>
+            </a:prstTxWarp>
+          </a:bodyPr>
+          <a:lstStyle/>
+          <a:p>
+            <a:endParaRPr lang="en-IN"/>
+          </a:p>
+        </p:txBody>
+      </p:sp>
+      <p:sp>
+        <p:nvSpPr>
+          <p:cNvPr id="1028" name="AutoShape 4" descr="Image result for css picture"/>
+          <p:cNvSpPr>
+            <a:spLocks noChangeAspect="1" noChangeArrowheads="1"/>
+          </p:cNvSpPr>
+          <p:nvPr/>
+        </p:nvSpPr>
+        <p:spPr bwMode="auto">
+          <a:xfrm>
+            <a:off x="155575" y="-144463"/>
+            <a:ext cx="304800" cy="304801"/>
+          </a:xfrm>
+          <a:prstGeom prst="rect">
+            <a:avLst/>
+          </a:prstGeom>
+          <a:noFill/>
+        </p:spPr>
+        <p:txBody>
+          <a:bodyPr vert="horz" wrap="square" lIns="91440" tIns="45720" rIns="91440" bIns="45720" numCol="1" anchor="t" anchorCtr="0" compatLnSpc="1">
+            <a:prstTxWarp prst="textNoShape">
+              <a:avLst/>
+            </a:prstTxWarp>
+          </a:bodyPr>
+          <a:lstStyle/>
+          <a:p>
+            <a:endParaRPr lang="en-IN"/>
+          </a:p>
+        </p:txBody>
+      </p:sp>
+      <p:sp>
+        <p:nvSpPr>
+          <p:cNvPr id="1030" name="AutoShape 6" descr="Image result for css picture"/>
+          <p:cNvSpPr>
+            <a:spLocks noChangeAspect="1" noChangeArrowheads="1"/>
+          </p:cNvSpPr>
+          <p:nvPr/>
+        </p:nvSpPr>
+        <p:spPr bwMode="auto">
+          <a:xfrm>
+            <a:off x="155575" y="-144463"/>
+            <a:ext cx="304800" cy="304801"/>
+          </a:xfrm>
+          <a:prstGeom prst="rect">
+            <a:avLst/>
+          </a:prstGeom>
+          <a:noFill/>
+        </p:spPr>
+        <p:txBody>
+          <a:bodyPr vert="horz" wrap="square" lIns="91440" tIns="45720" rIns="91440" bIns="45720" numCol="1" anchor="t" anchorCtr="0" compatLnSpc="1">
+            <a:prstTxWarp prst="textNoShape">
+              <a:avLst/>
+            </a:prstTxWarp>
+          </a:bodyPr>
+          <a:lstStyle/>
+          <a:p>
+            <a:endParaRPr lang="en-IN"/>
+          </a:p>
+        </p:txBody>
+      </p:sp>
+      <p:pic>
+        <p:nvPicPr>
+          <p:cNvPr id="1031" name="Picture 7"/>
+          <p:cNvPicPr>
+            <a:picLocks noChangeAspect="1" noChangeArrowheads="1"/>
+          </p:cNvPicPr>
+          <p:nvPr/>
+        </p:nvPicPr>
+        <p:blipFill>
+          <a:blip r:embed="rId3" cstate="print"/>
+          <a:srcRect/>
+          <a:stretch>
+            <a:fillRect/>
+          </a:stretch>
+        </p:blipFill>
+        <p:spPr bwMode="auto">
+          <a:xfrm>
+            <a:off x="457200" y="1676400"/>
+            <a:ext cx="3848100" cy="3895725"/>
+          </a:xfrm>
+          <a:prstGeom prst="rect">
+            <a:avLst/>
+          </a:prstGeom>
+          <a:noFill/>
+          <a:ln w="9525">
+            <a:noFill/>
+            <a:miter lim="800000"/>
+            <a:headEnd/>
+            <a:tailEnd/>
+          </a:ln>
+        </p:spPr>
+      </p:pic>
     </p:spTree>
   </p:cSld>
   <p:clrMapOvr>

--- a/BootStrap-Tutotrail.pptx
+++ b/BootStrap-Tutotrail.pptx
@@ -1208,15 +1208,7 @@
                   <a:schemeClr val="accent3"/>
                 </a:solidFill>
               </a:rPr>
-              <a:t>What is </a:t>
-            </a:r>
-            <a:r>
-              <a:rPr lang="en-IN" sz="4800" b="1" dirty="0" smtClean="0">
-                <a:solidFill>
-                  <a:schemeClr val="accent3"/>
-                </a:solidFill>
-              </a:rPr>
-              <a:t>JavaScript?</a:t>
+              <a:t>What is JavaScript?</a:t>
             </a:r>
             <a:endParaRPr lang="en-IN" sz="4800" b="1" dirty="0">
               <a:solidFill>
@@ -1697,15 +1689,7 @@
                   <a:schemeClr val="accent3"/>
                 </a:solidFill>
               </a:rPr>
-              <a:t>What is </a:t>
-            </a:r>
-            <a:r>
-              <a:rPr lang="en-IN" sz="4800" b="1" dirty="0" smtClean="0">
-                <a:solidFill>
-                  <a:schemeClr val="accent3"/>
-                </a:solidFill>
-              </a:rPr>
-              <a:t>Bootstrap?</a:t>
+              <a:t>What is Bootstrap?</a:t>
             </a:r>
             <a:endParaRPr lang="en-IN" sz="4800" b="1" dirty="0">
               <a:solidFill>
@@ -2129,7 +2113,18 @@
                 <a:latin typeface="Source Code Pro Semibold" pitchFamily="49" charset="0"/>
                 <a:ea typeface="Source Code Pro Semibold" pitchFamily="49" charset="0"/>
               </a:rPr>
-              <a:t> Journey  Begin..............</a:t>
+              <a:t> Journey  Begin</a:t>
+            </a:r>
+            <a:r>
+              <a:rPr lang="en-IN" sz="6000" b="1" dirty="0" smtClean="0">
+                <a:solidFill>
+                  <a:srgbClr val="00B050"/>
+                </a:solidFill>
+                <a:latin typeface="Source Code Pro Semibold" pitchFamily="49" charset="0"/>
+                <a:ea typeface="Source Code Pro Semibold" pitchFamily="49" charset="0"/>
+                <a:hlinkClick r:id="rId3" tooltip="Bootstrap Training Course"/>
+              </a:rPr>
+              <a:t>..............</a:t>
             </a:r>
             <a:endParaRPr sz="6000" b="1" dirty="0">
               <a:solidFill>
@@ -2477,21 +2472,8 @@
                   <a:schemeClr val="accent3"/>
                 </a:solidFill>
               </a:rPr>
-              <a:t>  </a:t>
+              <a:t>  HTML</a:t>
             </a:r>
-            <a:r>
-              <a:rPr lang="en-IN" sz="6000" b="1" dirty="0" smtClean="0">
-                <a:solidFill>
-                  <a:schemeClr val="accent3"/>
-                </a:solidFill>
-              </a:rPr>
-              <a:t>HTML</a:t>
-            </a:r>
-            <a:endParaRPr lang="en-IN" sz="6000" b="1" dirty="0" smtClean="0">
-              <a:solidFill>
-                <a:schemeClr val="accent3"/>
-              </a:solidFill>
-            </a:endParaRPr>
           </a:p>
           <a:p>
             <a:pPr>
@@ -2504,15 +2486,7 @@
                   <a:schemeClr val="accent3"/>
                 </a:solidFill>
               </a:rPr>
-              <a:t>  </a:t>
-            </a:r>
-            <a:r>
-              <a:rPr lang="en-IN" sz="6000" b="1" dirty="0" smtClean="0">
-                <a:solidFill>
-                  <a:schemeClr val="accent3"/>
-                </a:solidFill>
-              </a:rPr>
-              <a:t>CSS</a:t>
+              <a:t>  CSS</a:t>
             </a:r>
             <a:endParaRPr lang="en-IN" sz="6000" b="1" dirty="0">
               <a:solidFill>
@@ -2531,15 +2505,7 @@
                   <a:schemeClr val="accent3"/>
                 </a:solidFill>
               </a:rPr>
-              <a:t>  </a:t>
-            </a:r>
-            <a:r>
-              <a:rPr lang="en-IN" sz="6000" b="1" dirty="0" smtClean="0">
-                <a:solidFill>
-                  <a:schemeClr val="accent3"/>
-                </a:solidFill>
-              </a:rPr>
-              <a:t>JavaScript</a:t>
+              <a:t>  JavaScript</a:t>
             </a:r>
             <a:endParaRPr lang="en-IN" sz="6000" b="1" dirty="0">
               <a:solidFill>
@@ -3960,15 +3926,7 @@
                   <a:schemeClr val="accent3"/>
                 </a:solidFill>
               </a:rPr>
-              <a:t>What is </a:t>
-            </a:r>
-            <a:r>
-              <a:rPr lang="en-IN" sz="4800" b="1" dirty="0" smtClean="0">
-                <a:solidFill>
-                  <a:schemeClr val="accent3"/>
-                </a:solidFill>
-              </a:rPr>
-              <a:t>CSS?</a:t>
+              <a:t>What is CSS?</a:t>
             </a:r>
             <a:endParaRPr lang="en-IN" sz="4800" b="1" dirty="0">
               <a:solidFill>
